--- a/database/slides/AS_I_KNEEL_BEFORE_YOU.pptx
+++ b/database/slides/AS_I_KNEEL_BEFORE_YOU.pptx
@@ -757,7 +757,11 @@
             </a:pPr>
             <a:r>
               <a:rPr lang="en-US" dirty="0"/>
-              <a:t>RECEIPPT-TAGS:MARY</a:t>
+              <a:t>RECEIPPT-TAGS</a:t>
+            </a:r>
+            <a:r>
+              <a:rPr lang="en-US"/>
+              <a:t>:MARY,ENTRANCE</a:t>
             </a:r>
             <a:endParaRPr dirty="0"/>
           </a:p>

--- a/database/slides/AS_I_KNEEL_BEFORE_YOU.pptx
+++ b/database/slides/AS_I_KNEEL_BEFORE_YOU.pptx
@@ -16001,7 +16001,13 @@
       </p:sp>
       <p:sp>
         <p:nvSpPr>
-          <p:cNvPr id="131" name="Google Shape;131;p25"/>
+          <p:cNvPr id="2" name="Google Shape;131;p25">
+            <a:extLst>
+              <a:ext uri="{FF2B5EF4-FFF2-40B4-BE49-F238E27FC236}">
+                <a16:creationId xmlns:a16="http://schemas.microsoft.com/office/drawing/2014/main" id="{A43B89A7-048C-28B9-1B1C-11E33EE7993E}"/>
+              </a:ext>
+            </a:extLst>
+          </p:cNvPr>
           <p:cNvSpPr txBox="1"/>
           <p:nvPr/>
         </p:nvSpPr>
@@ -16024,14 +16030,22 @@
           </a:bodyPr>
           <a:lstStyle/>
           <a:p>
-            <a:pPr>
+            <a:pPr marL="0" lvl="0" indent="0" algn="l" rtl="0">
+              <a:spcBef>
+                <a:spcPts val="0"/>
+              </a:spcBef>
+              <a:spcAft>
+                <a:spcPts val="0"/>
+              </a:spcAft>
               <a:buClr>
                 <a:schemeClr val="lt1"/>
               </a:buClr>
               <a:buSzPts val="3200"/>
+              <a:buFont typeface="Arial"/>
+              <a:buNone/>
             </a:pPr>
             <a:r>
-              <a:rPr lang="en-GB" sz="3600" b="1" i="1" dirty="0">
+              <a:rPr lang="en-GB" sz="3600" b="1" i="1">
                 <a:solidFill>
                   <a:srgbClr val="FFFF00"/>
                 </a:solidFill>
@@ -16042,7 +16056,7 @@
               </a:rPr>
               <a:t>contd..</a:t>
             </a:r>
-            <a:endParaRPr lang="en-GB" sz="3600" dirty="0">
+            <a:endParaRPr sz="3600">
               <a:latin typeface="Calibri"/>
               <a:ea typeface="Calibri"/>
               <a:cs typeface="Calibri"/>
@@ -16440,10 +16454,10 @@
       </p:sp>
       <p:sp>
         <p:nvSpPr>
-          <p:cNvPr id="131" name="Google Shape;131;p25">
+          <p:cNvPr id="2" name="Google Shape;131;p25">
             <a:extLst>
               <a:ext uri="{FF2B5EF4-FFF2-40B4-BE49-F238E27FC236}">
-                <a16:creationId xmlns:a16="http://schemas.microsoft.com/office/drawing/2014/main" id="{B82819E4-DA87-3CD6-FD7F-62B3D48197F1}"/>
+                <a16:creationId xmlns:a16="http://schemas.microsoft.com/office/drawing/2014/main" id="{E9807C19-18FA-6F6E-9B0D-3F6D43A88FD5}"/>
               </a:ext>
             </a:extLst>
           </p:cNvPr>
@@ -16469,14 +16483,22 @@
           </a:bodyPr>
           <a:lstStyle/>
           <a:p>
-            <a:pPr>
+            <a:pPr marL="0" lvl="0" indent="0" algn="l" rtl="0">
+              <a:spcBef>
+                <a:spcPts val="0"/>
+              </a:spcBef>
+              <a:spcAft>
+                <a:spcPts val="0"/>
+              </a:spcAft>
               <a:buClr>
                 <a:schemeClr val="lt1"/>
               </a:buClr>
               <a:buSzPts val="3200"/>
+              <a:buFont typeface="Arial"/>
+              <a:buNone/>
             </a:pPr>
             <a:r>
-              <a:rPr lang="en-GB" sz="3600" b="1" i="1" dirty="0">
+              <a:rPr lang="en-GB" sz="3600" b="1" i="1">
                 <a:solidFill>
                   <a:srgbClr val="FFFF00"/>
                 </a:solidFill>
@@ -16487,7 +16509,7 @@
               </a:rPr>
               <a:t>contd..</a:t>
             </a:r>
-            <a:endParaRPr lang="en-GB" sz="3600" dirty="0">
+            <a:endParaRPr sz="3600">
               <a:latin typeface="Calibri"/>
               <a:ea typeface="Calibri"/>
               <a:cs typeface="Calibri"/>
